--- a/TareaPractica2/Manual Crystal Reports.pptx
+++ b/TareaPractica2/Manual Crystal Reports.pptx
@@ -11,6 +11,22 @@
     <p:sldId id="259" r:id="rId5"/>
     <p:sldId id="260" r:id="rId6"/>
     <p:sldId id="261" r:id="rId7"/>
+    <p:sldId id="262" r:id="rId8"/>
+    <p:sldId id="263" r:id="rId9"/>
+    <p:sldId id="264" r:id="rId10"/>
+    <p:sldId id="265" r:id="rId11"/>
+    <p:sldId id="266" r:id="rId12"/>
+    <p:sldId id="267" r:id="rId13"/>
+    <p:sldId id="268" r:id="rId14"/>
+    <p:sldId id="269" r:id="rId15"/>
+    <p:sldId id="270" r:id="rId16"/>
+    <p:sldId id="271" r:id="rId17"/>
+    <p:sldId id="272" r:id="rId18"/>
+    <p:sldId id="273" r:id="rId19"/>
+    <p:sldId id="274" r:id="rId20"/>
+    <p:sldId id="275" r:id="rId21"/>
+    <p:sldId id="277" r:id="rId22"/>
+    <p:sldId id="276" r:id="rId23"/>
   </p:sldIdLst>
   <p:sldSz cx="12192000" cy="6858000"/>
   <p:notesSz cx="6858000" cy="9144000"/>
@@ -13311,9 +13327,16 @@
             <p:ph type="subTitle" idx="1"/>
           </p:nvPr>
         </p:nvSpPr>
-        <p:spPr/>
+        <p:spPr>
+          <a:xfrm>
+            <a:off x="1154954" y="4777380"/>
+            <a:ext cx="9055845" cy="1100906"/>
+          </a:xfrm>
+        </p:spPr>
         <p:txBody>
-          <a:bodyPr/>
+          <a:bodyPr>
+            <a:normAutofit fontScale="92500" lnSpcReduction="10000"/>
+          </a:bodyPr>
           <a:lstStyle/>
           <a:p>
             <a:r>
@@ -13332,7 +13355,24 @@
               <a:rPr lang="es-GT" dirty="0" err="1" smtClean="0"/>
               <a:t>reports</a:t>
             </a:r>
-            <a:endParaRPr lang="es-GT" dirty="0"/>
+            <a:endParaRPr lang="es-GT" dirty="0" smtClean="0"/>
+          </a:p>
+          <a:p>
+            <a:r>
+              <a:rPr lang="es-GT" dirty="0" smtClean="0"/>
+              <a:t>(</a:t>
+            </a:r>
+            <a:r>
+              <a:rPr lang="es-GT" dirty="0" smtClean="0"/>
+              <a:t>paquetes por Impuesto y empleados por sucursal)</a:t>
+            </a:r>
+          </a:p>
+          <a:p>
+            <a:r>
+              <a:rPr lang="es-GT" sz="2200" i="1" u="sng" dirty="0" smtClean="0"/>
+              <a:t>Randy Fernando juarez najarro 201404211</a:t>
+            </a:r>
+            <a:endParaRPr lang="es-GT" sz="2200" i="1" u="sng" dirty="0"/>
           </a:p>
         </p:txBody>
       </p:sp>
@@ -13340,6 +13380,1116 @@
     <p:extLst>
       <p:ext uri="{BB962C8B-B14F-4D97-AF65-F5344CB8AC3E}">
         <p14:creationId xmlns:p14="http://schemas.microsoft.com/office/powerpoint/2010/main" val="1782316471"/>
+      </p:ext>
+    </p:extLst>
+  </p:cSld>
+  <p:clrMapOvr>
+    <a:masterClrMapping/>
+  </p:clrMapOvr>
+</p:sld>
+</file>
+
+<file path=ppt/slides/slide10.xml><?xml version="1.0" encoding="utf-8"?>
+<p:sld xmlns:a="http://schemas.openxmlformats.org/drawingml/2006/main" xmlns:r="http://schemas.openxmlformats.org/officeDocument/2006/relationships" xmlns:p="http://schemas.openxmlformats.org/presentationml/2006/main">
+  <p:cSld>
+    <p:spTree>
+      <p:nvGrpSpPr>
+        <p:cNvPr id="1" name=""/>
+        <p:cNvGrpSpPr/>
+        <p:nvPr/>
+      </p:nvGrpSpPr>
+      <p:grpSpPr>
+        <a:xfrm>
+          <a:off x="0" y="0"/>
+          <a:ext cx="0" cy="0"/>
+          <a:chOff x="0" y="0"/>
+          <a:chExt cx="0" cy="0"/>
+        </a:xfrm>
+      </p:grpSpPr>
+      <p:sp>
+        <p:nvSpPr>
+          <p:cNvPr id="2" name="Título 1"/>
+          <p:cNvSpPr>
+            <a:spLocks noGrp="1"/>
+          </p:cNvSpPr>
+          <p:nvPr>
+            <p:ph type="title"/>
+          </p:nvPr>
+        </p:nvSpPr>
+        <p:spPr/>
+        <p:txBody>
+          <a:bodyPr/>
+          <a:lstStyle/>
+          <a:p>
+            <a:r>
+              <a:rPr lang="es-GT" dirty="0" smtClean="0"/>
+              <a:t>Buscar BD SQL Server NC</a:t>
+            </a:r>
+            <a:endParaRPr lang="es-GT" dirty="0"/>
+          </a:p>
+        </p:txBody>
+      </p:sp>
+      <p:pic>
+        <p:nvPicPr>
+          <p:cNvPr id="4" name="Marcador de contenido 3"/>
+          <p:cNvPicPr>
+            <a:picLocks noGrp="1" noChangeAspect="1"/>
+          </p:cNvPicPr>
+          <p:nvPr>
+            <p:ph idx="1"/>
+          </p:nvPr>
+        </p:nvPicPr>
+        <p:blipFill>
+          <a:blip r:embed="rId2">
+            <a:extLst>
+              <a:ext uri="{28A0092B-C50C-407E-A947-70E740481C1C}">
+                <a14:useLocalDpi xmlns:a14="http://schemas.microsoft.com/office/drawing/2010/main" val="0"/>
+              </a:ext>
+            </a:extLst>
+          </a:blip>
+          <a:stretch>
+            <a:fillRect/>
+          </a:stretch>
+        </p:blipFill>
+        <p:spPr>
+          <a:xfrm>
+            <a:off x="2623684" y="2255718"/>
+            <a:ext cx="5888946" cy="4111864"/>
+          </a:xfrm>
+        </p:spPr>
+      </p:pic>
+    </p:spTree>
+    <p:extLst>
+      <p:ext uri="{BB962C8B-B14F-4D97-AF65-F5344CB8AC3E}">
+        <p14:creationId xmlns:p14="http://schemas.microsoft.com/office/powerpoint/2010/main" val="3395356358"/>
+      </p:ext>
+    </p:extLst>
+  </p:cSld>
+  <p:clrMapOvr>
+    <a:masterClrMapping/>
+  </p:clrMapOvr>
+</p:sld>
+</file>
+
+<file path=ppt/slides/slide11.xml><?xml version="1.0" encoding="utf-8"?>
+<p:sld xmlns:a="http://schemas.openxmlformats.org/drawingml/2006/main" xmlns:r="http://schemas.openxmlformats.org/officeDocument/2006/relationships" xmlns:p="http://schemas.openxmlformats.org/presentationml/2006/main">
+  <p:cSld>
+    <p:spTree>
+      <p:nvGrpSpPr>
+        <p:cNvPr id="1" name=""/>
+        <p:cNvGrpSpPr/>
+        <p:nvPr/>
+      </p:nvGrpSpPr>
+      <p:grpSpPr>
+        <a:xfrm>
+          <a:off x="0" y="0"/>
+          <a:ext cx="0" cy="0"/>
+          <a:chOff x="0" y="0"/>
+          <a:chExt cx="0" cy="0"/>
+        </a:xfrm>
+      </p:grpSpPr>
+      <p:sp>
+        <p:nvSpPr>
+          <p:cNvPr id="2" name="Título 1"/>
+          <p:cNvSpPr>
+            <a:spLocks noGrp="1"/>
+          </p:cNvSpPr>
+          <p:nvPr>
+            <p:ph type="title"/>
+          </p:nvPr>
+        </p:nvSpPr>
+        <p:spPr/>
+        <p:txBody>
+          <a:bodyPr/>
+          <a:lstStyle/>
+          <a:p>
+            <a:r>
+              <a:rPr lang="es-GT" dirty="0" smtClean="0"/>
+              <a:t>Agregar Servidor y BD</a:t>
+            </a:r>
+            <a:endParaRPr lang="es-GT" dirty="0"/>
+          </a:p>
+        </p:txBody>
+      </p:sp>
+      <p:pic>
+        <p:nvPicPr>
+          <p:cNvPr id="4" name="Marcador de contenido 3"/>
+          <p:cNvPicPr>
+            <a:picLocks noGrp="1" noChangeAspect="1"/>
+          </p:cNvPicPr>
+          <p:nvPr>
+            <p:ph idx="1"/>
+          </p:nvPr>
+        </p:nvPicPr>
+        <p:blipFill>
+          <a:blip r:embed="rId2">
+            <a:extLst>
+              <a:ext uri="{28A0092B-C50C-407E-A947-70E740481C1C}">
+                <a14:useLocalDpi xmlns:a14="http://schemas.microsoft.com/office/drawing/2010/main" val="0"/>
+              </a:ext>
+            </a:extLst>
+          </a:blip>
+          <a:stretch>
+            <a:fillRect/>
+          </a:stretch>
+        </p:blipFill>
+        <p:spPr>
+          <a:xfrm>
+            <a:off x="3152407" y="2707501"/>
+            <a:ext cx="4831499" cy="3208298"/>
+          </a:xfrm>
+        </p:spPr>
+      </p:pic>
+      <p:sp>
+        <p:nvSpPr>
+          <p:cNvPr id="5" name="Rectángulo 4"/>
+          <p:cNvSpPr/>
+          <p:nvPr/>
+        </p:nvSpPr>
+        <p:spPr>
+          <a:xfrm>
+            <a:off x="7978170" y="3032648"/>
+            <a:ext cx="3876393" cy="1754326"/>
+          </a:xfrm>
+          <a:prstGeom prst="rect">
+            <a:avLst/>
+          </a:prstGeom>
+          <a:noFill/>
+        </p:spPr>
+        <p:txBody>
+          <a:bodyPr wrap="square" lIns="91440" tIns="45720" rIns="91440" bIns="45720">
+            <a:spAutoFit/>
+          </a:bodyPr>
+          <a:lstStyle/>
+          <a:p>
+            <a:pPr algn="ctr"/>
+            <a:r>
+              <a:rPr lang="es-ES" sz="3600" b="1" cap="none" spc="0" dirty="0" smtClean="0">
+                <a:ln w="12700">
+                  <a:solidFill>
+                    <a:schemeClr val="accent3">
+                      <a:lumMod val="50000"/>
+                    </a:schemeClr>
+                  </a:solidFill>
+                  <a:prstDash val="solid"/>
+                </a:ln>
+                <a:pattFill prst="narHorz">
+                  <a:fgClr>
+                    <a:schemeClr val="accent3"/>
+                  </a:fgClr>
+                  <a:bgClr>
+                    <a:schemeClr val="accent3">
+                      <a:lumMod val="40000"/>
+                      <a:lumOff val="60000"/>
+                    </a:schemeClr>
+                  </a:bgClr>
+                </a:pattFill>
+                <a:effectLst>
+                  <a:innerShdw blurRad="177800">
+                    <a:schemeClr val="accent3">
+                      <a:lumMod val="50000"/>
+                    </a:schemeClr>
+                  </a:innerShdw>
+                </a:effectLst>
+              </a:rPr>
+              <a:t>Agregar Credenciales de ser necesario</a:t>
+            </a:r>
+            <a:endParaRPr lang="es-ES" sz="3600" b="1" cap="none" spc="0" dirty="0">
+              <a:ln w="12700">
+                <a:solidFill>
+                  <a:schemeClr val="accent3">
+                    <a:lumMod val="50000"/>
+                  </a:schemeClr>
+                </a:solidFill>
+                <a:prstDash val="solid"/>
+              </a:ln>
+              <a:pattFill prst="narHorz">
+                <a:fgClr>
+                  <a:schemeClr val="accent3"/>
+                </a:fgClr>
+                <a:bgClr>
+                  <a:schemeClr val="accent3">
+                    <a:lumMod val="40000"/>
+                    <a:lumOff val="60000"/>
+                  </a:schemeClr>
+                </a:bgClr>
+              </a:pattFill>
+              <a:effectLst>
+                <a:innerShdw blurRad="177800">
+                  <a:schemeClr val="accent3">
+                    <a:lumMod val="50000"/>
+                  </a:schemeClr>
+                </a:innerShdw>
+              </a:effectLst>
+            </a:endParaRPr>
+          </a:p>
+        </p:txBody>
+      </p:sp>
+    </p:spTree>
+    <p:extLst>
+      <p:ext uri="{BB962C8B-B14F-4D97-AF65-F5344CB8AC3E}">
+        <p14:creationId xmlns:p14="http://schemas.microsoft.com/office/powerpoint/2010/main" val="3489762367"/>
+      </p:ext>
+    </p:extLst>
+  </p:cSld>
+  <p:clrMapOvr>
+    <a:masterClrMapping/>
+  </p:clrMapOvr>
+</p:sld>
+</file>
+
+<file path=ppt/slides/slide12.xml><?xml version="1.0" encoding="utf-8"?>
+<p:sld xmlns:a="http://schemas.openxmlformats.org/drawingml/2006/main" xmlns:r="http://schemas.openxmlformats.org/officeDocument/2006/relationships" xmlns:p="http://schemas.openxmlformats.org/presentationml/2006/main">
+  <p:cSld>
+    <p:spTree>
+      <p:nvGrpSpPr>
+        <p:cNvPr id="1" name=""/>
+        <p:cNvGrpSpPr/>
+        <p:nvPr/>
+      </p:nvGrpSpPr>
+      <p:grpSpPr>
+        <a:xfrm>
+          <a:off x="0" y="0"/>
+          <a:ext cx="0" cy="0"/>
+          <a:chOff x="0" y="0"/>
+          <a:chExt cx="0" cy="0"/>
+        </a:xfrm>
+      </p:grpSpPr>
+      <p:sp>
+        <p:nvSpPr>
+          <p:cNvPr id="2" name="Título 1"/>
+          <p:cNvSpPr>
+            <a:spLocks noGrp="1"/>
+          </p:cNvSpPr>
+          <p:nvPr>
+            <p:ph type="title"/>
+          </p:nvPr>
+        </p:nvSpPr>
+        <p:spPr/>
+        <p:txBody>
+          <a:bodyPr/>
+          <a:lstStyle/>
+          <a:p>
+            <a:r>
+              <a:rPr lang="es-GT" dirty="0" smtClean="0"/>
+              <a:t>Agregar Procedimiento a Utilizar</a:t>
+            </a:r>
+            <a:endParaRPr lang="es-GT" dirty="0"/>
+          </a:p>
+        </p:txBody>
+      </p:sp>
+      <p:pic>
+        <p:nvPicPr>
+          <p:cNvPr id="4" name="Marcador de contenido 3"/>
+          <p:cNvPicPr>
+            <a:picLocks noGrp="1" noChangeAspect="1"/>
+          </p:cNvPicPr>
+          <p:nvPr>
+            <p:ph idx="1"/>
+          </p:nvPr>
+        </p:nvPicPr>
+        <p:blipFill>
+          <a:blip r:embed="rId2">
+            <a:extLst>
+              <a:ext uri="{28A0092B-C50C-407E-A947-70E740481C1C}">
+                <a14:useLocalDpi xmlns:a14="http://schemas.microsoft.com/office/drawing/2010/main" val="0"/>
+              </a:ext>
+            </a:extLst>
+          </a:blip>
+          <a:stretch>
+            <a:fillRect/>
+          </a:stretch>
+        </p:blipFill>
+        <p:spPr>
+          <a:xfrm>
+            <a:off x="2569255" y="2514288"/>
+            <a:ext cx="7260546" cy="4204324"/>
+          </a:xfrm>
+        </p:spPr>
+      </p:pic>
+    </p:spTree>
+    <p:extLst>
+      <p:ext uri="{BB962C8B-B14F-4D97-AF65-F5344CB8AC3E}">
+        <p14:creationId xmlns:p14="http://schemas.microsoft.com/office/powerpoint/2010/main" val="633160813"/>
+      </p:ext>
+    </p:extLst>
+  </p:cSld>
+  <p:clrMapOvr>
+    <a:masterClrMapping/>
+  </p:clrMapOvr>
+</p:sld>
+</file>
+
+<file path=ppt/slides/slide13.xml><?xml version="1.0" encoding="utf-8"?>
+<p:sld xmlns:a="http://schemas.openxmlformats.org/drawingml/2006/main" xmlns:r="http://schemas.openxmlformats.org/officeDocument/2006/relationships" xmlns:p="http://schemas.openxmlformats.org/presentationml/2006/main">
+  <p:cSld>
+    <p:spTree>
+      <p:nvGrpSpPr>
+        <p:cNvPr id="1" name=""/>
+        <p:cNvGrpSpPr/>
+        <p:nvPr/>
+      </p:nvGrpSpPr>
+      <p:grpSpPr>
+        <a:xfrm>
+          <a:off x="0" y="0"/>
+          <a:ext cx="0" cy="0"/>
+          <a:chOff x="0" y="0"/>
+          <a:chExt cx="0" cy="0"/>
+        </a:xfrm>
+      </p:grpSpPr>
+      <p:sp>
+        <p:nvSpPr>
+          <p:cNvPr id="2" name="Título 1"/>
+          <p:cNvSpPr>
+            <a:spLocks noGrp="1"/>
+          </p:cNvSpPr>
+          <p:nvPr>
+            <p:ph type="title"/>
+          </p:nvPr>
+        </p:nvSpPr>
+        <p:spPr>
+          <a:xfrm>
+            <a:off x="1154954" y="973668"/>
+            <a:ext cx="9088503" cy="706964"/>
+          </a:xfrm>
+        </p:spPr>
+        <p:txBody>
+          <a:bodyPr/>
+          <a:lstStyle/>
+          <a:p>
+            <a:r>
+              <a:rPr lang="es-GT" dirty="0" smtClean="0"/>
+              <a:t>Se Agregan los Campos de la Consulta</a:t>
+            </a:r>
+            <a:endParaRPr lang="es-GT" dirty="0"/>
+          </a:p>
+        </p:txBody>
+      </p:sp>
+      <p:pic>
+        <p:nvPicPr>
+          <p:cNvPr id="4" name="Marcador de contenido 3"/>
+          <p:cNvPicPr>
+            <a:picLocks noGrp="1" noChangeAspect="1"/>
+          </p:cNvPicPr>
+          <p:nvPr>
+            <p:ph idx="1"/>
+          </p:nvPr>
+        </p:nvPicPr>
+        <p:blipFill>
+          <a:blip r:embed="rId2">
+            <a:extLst>
+              <a:ext uri="{28A0092B-C50C-407E-A947-70E740481C1C}">
+                <a14:useLocalDpi xmlns:a14="http://schemas.microsoft.com/office/drawing/2010/main" val="0"/>
+              </a:ext>
+            </a:extLst>
+          </a:blip>
+          <a:stretch>
+            <a:fillRect/>
+          </a:stretch>
+        </p:blipFill>
+        <p:spPr>
+          <a:xfrm>
+            <a:off x="4561342" y="2393814"/>
+            <a:ext cx="2710316" cy="4358186"/>
+          </a:xfrm>
+        </p:spPr>
+      </p:pic>
+    </p:spTree>
+    <p:extLst>
+      <p:ext uri="{BB962C8B-B14F-4D97-AF65-F5344CB8AC3E}">
+        <p14:creationId xmlns:p14="http://schemas.microsoft.com/office/powerpoint/2010/main" val="1568108630"/>
+      </p:ext>
+    </p:extLst>
+  </p:cSld>
+  <p:clrMapOvr>
+    <a:masterClrMapping/>
+  </p:clrMapOvr>
+</p:sld>
+</file>
+
+<file path=ppt/slides/slide14.xml><?xml version="1.0" encoding="utf-8"?>
+<p:sld xmlns:a="http://schemas.openxmlformats.org/drawingml/2006/main" xmlns:r="http://schemas.openxmlformats.org/officeDocument/2006/relationships" xmlns:p="http://schemas.openxmlformats.org/presentationml/2006/main">
+  <p:cSld>
+    <p:spTree>
+      <p:nvGrpSpPr>
+        <p:cNvPr id="1" name=""/>
+        <p:cNvGrpSpPr/>
+        <p:nvPr/>
+      </p:nvGrpSpPr>
+      <p:grpSpPr>
+        <a:xfrm>
+          <a:off x="0" y="0"/>
+          <a:ext cx="0" cy="0"/>
+          <a:chOff x="0" y="0"/>
+          <a:chExt cx="0" cy="0"/>
+        </a:xfrm>
+      </p:grpSpPr>
+      <p:sp>
+        <p:nvSpPr>
+          <p:cNvPr id="2" name="Título 1"/>
+          <p:cNvSpPr>
+            <a:spLocks noGrp="1"/>
+          </p:cNvSpPr>
+          <p:nvPr>
+            <p:ph type="title"/>
+          </p:nvPr>
+        </p:nvSpPr>
+        <p:spPr/>
+        <p:txBody>
+          <a:bodyPr/>
+          <a:lstStyle/>
+          <a:p>
+            <a:r>
+              <a:rPr lang="es-GT" dirty="0" smtClean="0"/>
+              <a:t>Agregar Campos en Sección Detalles</a:t>
+            </a:r>
+            <a:endParaRPr lang="es-GT" dirty="0"/>
+          </a:p>
+        </p:txBody>
+      </p:sp>
+      <p:pic>
+        <p:nvPicPr>
+          <p:cNvPr id="4" name="Marcador de contenido 3"/>
+          <p:cNvPicPr>
+            <a:picLocks noGrp="1" noChangeAspect="1"/>
+          </p:cNvPicPr>
+          <p:nvPr>
+            <p:ph idx="1"/>
+          </p:nvPr>
+        </p:nvPicPr>
+        <p:blipFill>
+          <a:blip r:embed="rId2">
+            <a:extLst>
+              <a:ext uri="{28A0092B-C50C-407E-A947-70E740481C1C}">
+                <a14:useLocalDpi xmlns:a14="http://schemas.microsoft.com/office/drawing/2010/main" val="0"/>
+              </a:ext>
+            </a:extLst>
+          </a:blip>
+          <a:stretch>
+            <a:fillRect/>
+          </a:stretch>
+        </p:blipFill>
+        <p:spPr>
+          <a:xfrm>
+            <a:off x="1154954" y="2777672"/>
+            <a:ext cx="9730504" cy="3155042"/>
+          </a:xfrm>
+        </p:spPr>
+      </p:pic>
+    </p:spTree>
+    <p:extLst>
+      <p:ext uri="{BB962C8B-B14F-4D97-AF65-F5344CB8AC3E}">
+        <p14:creationId xmlns:p14="http://schemas.microsoft.com/office/powerpoint/2010/main" val="4226784523"/>
+      </p:ext>
+    </p:extLst>
+  </p:cSld>
+  <p:clrMapOvr>
+    <a:masterClrMapping/>
+  </p:clrMapOvr>
+</p:sld>
+</file>
+
+<file path=ppt/slides/slide15.xml><?xml version="1.0" encoding="utf-8"?>
+<p:sld xmlns:a="http://schemas.openxmlformats.org/drawingml/2006/main" xmlns:r="http://schemas.openxmlformats.org/officeDocument/2006/relationships" xmlns:p="http://schemas.openxmlformats.org/presentationml/2006/main">
+  <p:cSld>
+    <p:spTree>
+      <p:nvGrpSpPr>
+        <p:cNvPr id="1" name=""/>
+        <p:cNvGrpSpPr/>
+        <p:nvPr/>
+      </p:nvGrpSpPr>
+      <p:grpSpPr>
+        <a:xfrm>
+          <a:off x="0" y="0"/>
+          <a:ext cx="0" cy="0"/>
+          <a:chOff x="0" y="0"/>
+          <a:chExt cx="0" cy="0"/>
+        </a:xfrm>
+      </p:grpSpPr>
+      <p:sp>
+        <p:nvSpPr>
+          <p:cNvPr id="2" name="Título 1"/>
+          <p:cNvSpPr>
+            <a:spLocks noGrp="1"/>
+          </p:cNvSpPr>
+          <p:nvPr>
+            <p:ph type="title"/>
+          </p:nvPr>
+        </p:nvSpPr>
+        <p:spPr/>
+        <p:txBody>
+          <a:bodyPr/>
+          <a:lstStyle/>
+          <a:p>
+            <a:r>
+              <a:rPr lang="es-GT" dirty="0" smtClean="0"/>
+              <a:t>Agregar Titulo en Encabezado</a:t>
+            </a:r>
+            <a:endParaRPr lang="es-GT" dirty="0"/>
+          </a:p>
+        </p:txBody>
+      </p:sp>
+      <p:pic>
+        <p:nvPicPr>
+          <p:cNvPr id="6" name="Marcador de contenido 5"/>
+          <p:cNvPicPr>
+            <a:picLocks noGrp="1" noChangeAspect="1"/>
+          </p:cNvPicPr>
+          <p:nvPr>
+            <p:ph idx="1"/>
+          </p:nvPr>
+        </p:nvPicPr>
+        <p:blipFill>
+          <a:blip r:embed="rId2">
+            <a:extLst>
+              <a:ext uri="{28A0092B-C50C-407E-A947-70E740481C1C}">
+                <a14:useLocalDpi xmlns:a14="http://schemas.microsoft.com/office/drawing/2010/main" val="0"/>
+              </a:ext>
+            </a:extLst>
+          </a:blip>
+          <a:stretch>
+            <a:fillRect/>
+          </a:stretch>
+        </p:blipFill>
+        <p:spPr>
+          <a:xfrm>
+            <a:off x="1676627" y="2407086"/>
+            <a:ext cx="9241746" cy="4005070"/>
+          </a:xfrm>
+        </p:spPr>
+      </p:pic>
+    </p:spTree>
+    <p:extLst>
+      <p:ext uri="{BB962C8B-B14F-4D97-AF65-F5344CB8AC3E}">
+        <p14:creationId xmlns:p14="http://schemas.microsoft.com/office/powerpoint/2010/main" val="2173952943"/>
+      </p:ext>
+    </p:extLst>
+  </p:cSld>
+  <p:clrMapOvr>
+    <a:masterClrMapping/>
+  </p:clrMapOvr>
+</p:sld>
+</file>
+
+<file path=ppt/slides/slide16.xml><?xml version="1.0" encoding="utf-8"?>
+<p:sld xmlns:a="http://schemas.openxmlformats.org/drawingml/2006/main" xmlns:r="http://schemas.openxmlformats.org/officeDocument/2006/relationships" xmlns:p="http://schemas.openxmlformats.org/presentationml/2006/main">
+  <p:cSld>
+    <p:spTree>
+      <p:nvGrpSpPr>
+        <p:cNvPr id="1" name=""/>
+        <p:cNvGrpSpPr/>
+        <p:nvPr/>
+      </p:nvGrpSpPr>
+      <p:grpSpPr>
+        <a:xfrm>
+          <a:off x="0" y="0"/>
+          <a:ext cx="0" cy="0"/>
+          <a:chOff x="0" y="0"/>
+          <a:chExt cx="0" cy="0"/>
+        </a:xfrm>
+      </p:grpSpPr>
+      <p:sp>
+        <p:nvSpPr>
+          <p:cNvPr id="2" name="Título 1"/>
+          <p:cNvSpPr>
+            <a:spLocks noGrp="1"/>
+          </p:cNvSpPr>
+          <p:nvPr>
+            <p:ph type="title"/>
+          </p:nvPr>
+        </p:nvSpPr>
+        <p:spPr/>
+        <p:txBody>
+          <a:bodyPr/>
+          <a:lstStyle/>
+          <a:p>
+            <a:r>
+              <a:rPr lang="es-GT" dirty="0" smtClean="0"/>
+              <a:t>Insertar Imagen a Reporte</a:t>
+            </a:r>
+            <a:endParaRPr lang="es-GT" dirty="0"/>
+          </a:p>
+        </p:txBody>
+      </p:sp>
+      <p:pic>
+        <p:nvPicPr>
+          <p:cNvPr id="4" name="Marcador de contenido 3"/>
+          <p:cNvPicPr>
+            <a:picLocks noGrp="1" noChangeAspect="1"/>
+          </p:cNvPicPr>
+          <p:nvPr>
+            <p:ph idx="1"/>
+          </p:nvPr>
+        </p:nvPicPr>
+        <p:blipFill>
+          <a:blip r:embed="rId2">
+            <a:extLst>
+              <a:ext uri="{28A0092B-C50C-407E-A947-70E740481C1C}">
+                <a14:useLocalDpi xmlns:a14="http://schemas.microsoft.com/office/drawing/2010/main" val="0"/>
+              </a:ext>
+            </a:extLst>
+          </a:blip>
+          <a:stretch>
+            <a:fillRect/>
+          </a:stretch>
+        </p:blipFill>
+        <p:spPr>
+          <a:xfrm>
+            <a:off x="2502341" y="2603500"/>
+            <a:ext cx="6131631" cy="3416300"/>
+          </a:xfrm>
+        </p:spPr>
+      </p:pic>
+    </p:spTree>
+    <p:extLst>
+      <p:ext uri="{BB962C8B-B14F-4D97-AF65-F5344CB8AC3E}">
+        <p14:creationId xmlns:p14="http://schemas.microsoft.com/office/powerpoint/2010/main" val="3157241552"/>
+      </p:ext>
+    </p:extLst>
+  </p:cSld>
+  <p:clrMapOvr>
+    <a:masterClrMapping/>
+  </p:clrMapOvr>
+</p:sld>
+</file>
+
+<file path=ppt/slides/slide17.xml><?xml version="1.0" encoding="utf-8"?>
+<p:sld xmlns:a="http://schemas.openxmlformats.org/drawingml/2006/main" xmlns:r="http://schemas.openxmlformats.org/officeDocument/2006/relationships" xmlns:p="http://schemas.openxmlformats.org/presentationml/2006/main">
+  <p:cSld>
+    <p:spTree>
+      <p:nvGrpSpPr>
+        <p:cNvPr id="1" name=""/>
+        <p:cNvGrpSpPr/>
+        <p:nvPr/>
+      </p:nvGrpSpPr>
+      <p:grpSpPr>
+        <a:xfrm>
+          <a:off x="0" y="0"/>
+          <a:ext cx="0" cy="0"/>
+          <a:chOff x="0" y="0"/>
+          <a:chExt cx="0" cy="0"/>
+        </a:xfrm>
+      </p:grpSpPr>
+      <p:sp>
+        <p:nvSpPr>
+          <p:cNvPr id="2" name="Título 1"/>
+          <p:cNvSpPr>
+            <a:spLocks noGrp="1"/>
+          </p:cNvSpPr>
+          <p:nvPr>
+            <p:ph type="title"/>
+          </p:nvPr>
+        </p:nvSpPr>
+        <p:spPr/>
+        <p:txBody>
+          <a:bodyPr/>
+          <a:lstStyle/>
+          <a:p>
+            <a:r>
+              <a:rPr lang="es-GT" dirty="0" smtClean="0"/>
+              <a:t>Esquema Final de Reporte</a:t>
+            </a:r>
+            <a:endParaRPr lang="es-GT" dirty="0"/>
+          </a:p>
+        </p:txBody>
+      </p:sp>
+      <p:pic>
+        <p:nvPicPr>
+          <p:cNvPr id="4" name="Marcador de contenido 3"/>
+          <p:cNvPicPr>
+            <a:picLocks noGrp="1" noChangeAspect="1"/>
+          </p:cNvPicPr>
+          <p:nvPr>
+            <p:ph idx="1"/>
+          </p:nvPr>
+        </p:nvPicPr>
+        <p:blipFill>
+          <a:blip r:embed="rId2">
+            <a:extLst>
+              <a:ext uri="{28A0092B-C50C-407E-A947-70E740481C1C}">
+                <a14:useLocalDpi xmlns:a14="http://schemas.microsoft.com/office/drawing/2010/main" val="0"/>
+              </a:ext>
+            </a:extLst>
+          </a:blip>
+          <a:stretch>
+            <a:fillRect/>
+          </a:stretch>
+        </p:blipFill>
+        <p:spPr>
+          <a:xfrm>
+            <a:off x="1826412" y="2669397"/>
+            <a:ext cx="7483488" cy="3284505"/>
+          </a:xfrm>
+        </p:spPr>
+      </p:pic>
+    </p:spTree>
+    <p:extLst>
+      <p:ext uri="{BB962C8B-B14F-4D97-AF65-F5344CB8AC3E}">
+        <p14:creationId xmlns:p14="http://schemas.microsoft.com/office/powerpoint/2010/main" val="3108322163"/>
+      </p:ext>
+    </p:extLst>
+  </p:cSld>
+  <p:clrMapOvr>
+    <a:masterClrMapping/>
+  </p:clrMapOvr>
+</p:sld>
+</file>
+
+<file path=ppt/slides/slide18.xml><?xml version="1.0" encoding="utf-8"?>
+<p:sld xmlns:a="http://schemas.openxmlformats.org/drawingml/2006/main" xmlns:r="http://schemas.openxmlformats.org/officeDocument/2006/relationships" xmlns:p="http://schemas.openxmlformats.org/presentationml/2006/main">
+  <p:cSld>
+    <p:spTree>
+      <p:nvGrpSpPr>
+        <p:cNvPr id="1" name=""/>
+        <p:cNvGrpSpPr/>
+        <p:nvPr/>
+      </p:nvGrpSpPr>
+      <p:grpSpPr>
+        <a:xfrm>
+          <a:off x="0" y="0"/>
+          <a:ext cx="0" cy="0"/>
+          <a:chOff x="0" y="0"/>
+          <a:chExt cx="0" cy="0"/>
+        </a:xfrm>
+      </p:grpSpPr>
+      <p:sp>
+        <p:nvSpPr>
+          <p:cNvPr id="2" name="Título 1"/>
+          <p:cNvSpPr>
+            <a:spLocks noGrp="1"/>
+          </p:cNvSpPr>
+          <p:nvPr>
+            <p:ph type="title"/>
+          </p:nvPr>
+        </p:nvSpPr>
+        <p:spPr/>
+        <p:txBody>
+          <a:bodyPr/>
+          <a:lstStyle/>
+          <a:p>
+            <a:r>
+              <a:rPr lang="es-GT" dirty="0" smtClean="0"/>
+              <a:t>Método para crear tabla con datos</a:t>
+            </a:r>
+            <a:endParaRPr lang="es-GT" dirty="0"/>
+          </a:p>
+        </p:txBody>
+      </p:sp>
+      <p:pic>
+        <p:nvPicPr>
+          <p:cNvPr id="6" name="Marcador de contenido 5"/>
+          <p:cNvPicPr>
+            <a:picLocks noGrp="1" noChangeAspect="1"/>
+          </p:cNvPicPr>
+          <p:nvPr>
+            <p:ph idx="1"/>
+          </p:nvPr>
+        </p:nvPicPr>
+        <p:blipFill>
+          <a:blip r:embed="rId2">
+            <a:extLst>
+              <a:ext uri="{28A0092B-C50C-407E-A947-70E740481C1C}">
+                <a14:useLocalDpi xmlns:a14="http://schemas.microsoft.com/office/drawing/2010/main" val="0"/>
+              </a:ext>
+            </a:extLst>
+          </a:blip>
+          <a:stretch>
+            <a:fillRect/>
+          </a:stretch>
+        </p:blipFill>
+        <p:spPr>
+          <a:xfrm>
+            <a:off x="0" y="2418001"/>
+            <a:ext cx="12078153" cy="2948656"/>
+          </a:xfrm>
+        </p:spPr>
+      </p:pic>
+      <p:sp>
+        <p:nvSpPr>
+          <p:cNvPr id="7" name="Rectángulo 6"/>
+          <p:cNvSpPr/>
+          <p:nvPr/>
+        </p:nvSpPr>
+        <p:spPr>
+          <a:xfrm>
+            <a:off x="494667" y="5366657"/>
+            <a:ext cx="10440679" cy="923330"/>
+          </a:xfrm>
+          <a:prstGeom prst="rect">
+            <a:avLst/>
+          </a:prstGeom>
+          <a:noFill/>
+        </p:spPr>
+        <p:txBody>
+          <a:bodyPr wrap="none" lIns="91440" tIns="45720" rIns="91440" bIns="45720">
+            <a:spAutoFit/>
+          </a:bodyPr>
+          <a:lstStyle/>
+          <a:p>
+            <a:pPr algn="ctr"/>
+            <a:r>
+              <a:rPr lang="es-ES" sz="5400" b="1" cap="none" spc="0" dirty="0" smtClean="0">
+                <a:ln w="12700">
+                  <a:solidFill>
+                    <a:schemeClr val="tx2">
+                      <a:lumMod val="75000"/>
+                    </a:schemeClr>
+                  </a:solidFill>
+                  <a:prstDash val="solid"/>
+                </a:ln>
+                <a:pattFill prst="dkUpDiag">
+                  <a:fgClr>
+                    <a:schemeClr val="tx2"/>
+                  </a:fgClr>
+                  <a:bgClr>
+                    <a:schemeClr val="tx2">
+                      <a:lumMod val="20000"/>
+                      <a:lumOff val="80000"/>
+                    </a:schemeClr>
+                  </a:bgClr>
+                </a:pattFill>
+                <a:effectLst>
+                  <a:outerShdw dist="38100" dir="2640000" algn="bl" rotWithShape="0">
+                    <a:schemeClr val="tx2">
+                      <a:lumMod val="75000"/>
+                    </a:schemeClr>
+                  </a:outerShdw>
+                </a:effectLst>
+              </a:rPr>
+              <a:t>Reporte Paquete po</a:t>
+            </a:r>
+            <a:r>
+              <a:rPr lang="es-ES" sz="5400" b="1" dirty="0" smtClean="0">
+                <a:ln w="12700">
+                  <a:solidFill>
+                    <a:schemeClr val="tx2">
+                      <a:lumMod val="75000"/>
+                    </a:schemeClr>
+                  </a:solidFill>
+                  <a:prstDash val="solid"/>
+                </a:ln>
+                <a:pattFill prst="dkUpDiag">
+                  <a:fgClr>
+                    <a:schemeClr val="tx2"/>
+                  </a:fgClr>
+                  <a:bgClr>
+                    <a:schemeClr val="tx2">
+                      <a:lumMod val="20000"/>
+                      <a:lumOff val="80000"/>
+                    </a:schemeClr>
+                  </a:bgClr>
+                </a:pattFill>
+                <a:effectLst>
+                  <a:outerShdw dist="38100" dir="2640000" algn="bl" rotWithShape="0">
+                    <a:schemeClr val="tx2">
+                      <a:lumMod val="75000"/>
+                    </a:schemeClr>
+                  </a:outerShdw>
+                </a:effectLst>
+              </a:rPr>
+              <a:t>r Impuesto</a:t>
+            </a:r>
+            <a:endParaRPr lang="es-ES" sz="5400" b="1" cap="none" spc="0" dirty="0">
+              <a:ln w="12700">
+                <a:solidFill>
+                  <a:schemeClr val="tx2">
+                    <a:lumMod val="75000"/>
+                  </a:schemeClr>
+                </a:solidFill>
+                <a:prstDash val="solid"/>
+              </a:ln>
+              <a:pattFill prst="dkUpDiag">
+                <a:fgClr>
+                  <a:schemeClr val="tx2"/>
+                </a:fgClr>
+                <a:bgClr>
+                  <a:schemeClr val="tx2">
+                    <a:lumMod val="20000"/>
+                    <a:lumOff val="80000"/>
+                  </a:schemeClr>
+                </a:bgClr>
+              </a:pattFill>
+              <a:effectLst>
+                <a:outerShdw dist="38100" dir="2640000" algn="bl" rotWithShape="0">
+                  <a:schemeClr val="tx2">
+                    <a:lumMod val="75000"/>
+                  </a:schemeClr>
+                </a:outerShdw>
+              </a:effectLst>
+            </a:endParaRPr>
+          </a:p>
+        </p:txBody>
+      </p:sp>
+    </p:spTree>
+    <p:extLst>
+      <p:ext uri="{BB962C8B-B14F-4D97-AF65-F5344CB8AC3E}">
+        <p14:creationId xmlns:p14="http://schemas.microsoft.com/office/powerpoint/2010/main" val="963458965"/>
+      </p:ext>
+    </p:extLst>
+  </p:cSld>
+  <p:clrMapOvr>
+    <a:masterClrMapping/>
+  </p:clrMapOvr>
+</p:sld>
+</file>
+
+<file path=ppt/slides/slide19.xml><?xml version="1.0" encoding="utf-8"?>
+<p:sld xmlns:a="http://schemas.openxmlformats.org/drawingml/2006/main" xmlns:r="http://schemas.openxmlformats.org/officeDocument/2006/relationships" xmlns:p="http://schemas.openxmlformats.org/presentationml/2006/main">
+  <p:cSld>
+    <p:spTree>
+      <p:nvGrpSpPr>
+        <p:cNvPr id="1" name=""/>
+        <p:cNvGrpSpPr/>
+        <p:nvPr/>
+      </p:nvGrpSpPr>
+      <p:grpSpPr>
+        <a:xfrm>
+          <a:off x="0" y="0"/>
+          <a:ext cx="0" cy="0"/>
+          <a:chOff x="0" y="0"/>
+          <a:chExt cx="0" cy="0"/>
+        </a:xfrm>
+      </p:grpSpPr>
+      <p:sp>
+        <p:nvSpPr>
+          <p:cNvPr id="2" name="Título 1"/>
+          <p:cNvSpPr>
+            <a:spLocks noGrp="1"/>
+          </p:cNvSpPr>
+          <p:nvPr>
+            <p:ph type="title"/>
+          </p:nvPr>
+        </p:nvSpPr>
+        <p:spPr/>
+        <p:txBody>
+          <a:bodyPr/>
+          <a:lstStyle/>
+          <a:p>
+            <a:r>
+              <a:rPr lang="es-GT" dirty="0"/>
+              <a:t>Método para crear tabla con datos</a:t>
+            </a:r>
+          </a:p>
+        </p:txBody>
+      </p:sp>
+      <p:pic>
+        <p:nvPicPr>
+          <p:cNvPr id="5" name="Marcador de contenido 4"/>
+          <p:cNvPicPr>
+            <a:picLocks noGrp="1" noChangeAspect="1"/>
+          </p:cNvPicPr>
+          <p:nvPr>
+            <p:ph idx="1"/>
+          </p:nvPr>
+        </p:nvPicPr>
+        <p:blipFill>
+          <a:blip r:embed="rId2">
+            <a:extLst>
+              <a:ext uri="{28A0092B-C50C-407E-A947-70E740481C1C}">
+                <a14:useLocalDpi xmlns:a14="http://schemas.microsoft.com/office/drawing/2010/main" val="0"/>
+              </a:ext>
+            </a:extLst>
+          </a:blip>
+          <a:stretch>
+            <a:fillRect/>
+          </a:stretch>
+        </p:blipFill>
+        <p:spPr>
+          <a:xfrm>
+            <a:off x="202744" y="2319787"/>
+            <a:ext cx="11945916" cy="3297241"/>
+          </a:xfrm>
+        </p:spPr>
+      </p:pic>
+      <p:sp>
+        <p:nvSpPr>
+          <p:cNvPr id="4" name="Rectángulo 3"/>
+          <p:cNvSpPr/>
+          <p:nvPr/>
+        </p:nvSpPr>
+        <p:spPr>
+          <a:xfrm>
+            <a:off x="752372" y="5934670"/>
+            <a:ext cx="10730823" cy="923330"/>
+          </a:xfrm>
+          <a:prstGeom prst="rect">
+            <a:avLst/>
+          </a:prstGeom>
+          <a:noFill/>
+        </p:spPr>
+        <p:txBody>
+          <a:bodyPr wrap="none" lIns="91440" tIns="45720" rIns="91440" bIns="45720">
+            <a:spAutoFit/>
+          </a:bodyPr>
+          <a:lstStyle/>
+          <a:p>
+            <a:pPr algn="ctr"/>
+            <a:r>
+              <a:rPr lang="es-ES" sz="5400" b="1" cap="none" spc="0" dirty="0" smtClean="0">
+                <a:ln w="12700">
+                  <a:solidFill>
+                    <a:schemeClr val="tx2">
+                      <a:lumMod val="75000"/>
+                    </a:schemeClr>
+                  </a:solidFill>
+                  <a:prstDash val="solid"/>
+                </a:ln>
+                <a:pattFill prst="dkUpDiag">
+                  <a:fgClr>
+                    <a:schemeClr val="tx2"/>
+                  </a:fgClr>
+                  <a:bgClr>
+                    <a:schemeClr val="tx2">
+                      <a:lumMod val="20000"/>
+                      <a:lumOff val="80000"/>
+                    </a:schemeClr>
+                  </a:bgClr>
+                </a:pattFill>
+                <a:effectLst>
+                  <a:outerShdw dist="38100" dir="2640000" algn="bl" rotWithShape="0">
+                    <a:schemeClr val="tx2">
+                      <a:lumMod val="75000"/>
+                    </a:schemeClr>
+                  </a:outerShdw>
+                </a:effectLst>
+              </a:rPr>
+              <a:t>Reporte Empleado por Sucursal</a:t>
+            </a:r>
+            <a:endParaRPr lang="es-ES" sz="5400" b="1" cap="none" spc="0" dirty="0">
+              <a:ln w="12700">
+                <a:solidFill>
+                  <a:schemeClr val="tx2">
+                    <a:lumMod val="75000"/>
+                  </a:schemeClr>
+                </a:solidFill>
+                <a:prstDash val="solid"/>
+              </a:ln>
+              <a:pattFill prst="dkUpDiag">
+                <a:fgClr>
+                  <a:schemeClr val="tx2"/>
+                </a:fgClr>
+                <a:bgClr>
+                  <a:schemeClr val="tx2">
+                    <a:lumMod val="20000"/>
+                    <a:lumOff val="80000"/>
+                  </a:schemeClr>
+                </a:bgClr>
+              </a:pattFill>
+              <a:effectLst>
+                <a:outerShdw dist="38100" dir="2640000" algn="bl" rotWithShape="0">
+                  <a:schemeClr val="tx2">
+                    <a:lumMod val="75000"/>
+                  </a:schemeClr>
+                </a:outerShdw>
+              </a:effectLst>
+            </a:endParaRPr>
+          </a:p>
+        </p:txBody>
+      </p:sp>
+    </p:spTree>
+    <p:extLst>
+      <p:ext uri="{BB962C8B-B14F-4D97-AF65-F5344CB8AC3E}">
+        <p14:creationId xmlns:p14="http://schemas.microsoft.com/office/powerpoint/2010/main" val="3468743612"/>
       </p:ext>
     </p:extLst>
   </p:cSld>
@@ -13434,6 +14584,281 @@
     <p:extLst>
       <p:ext uri="{BB962C8B-B14F-4D97-AF65-F5344CB8AC3E}">
         <p14:creationId xmlns:p14="http://schemas.microsoft.com/office/powerpoint/2010/main" val="2897706278"/>
+      </p:ext>
+    </p:extLst>
+  </p:cSld>
+  <p:clrMapOvr>
+    <a:masterClrMapping/>
+  </p:clrMapOvr>
+</p:sld>
+</file>
+
+<file path=ppt/slides/slide20.xml><?xml version="1.0" encoding="utf-8"?>
+<p:sld xmlns:a="http://schemas.openxmlformats.org/drawingml/2006/main" xmlns:r="http://schemas.openxmlformats.org/officeDocument/2006/relationships" xmlns:p="http://schemas.openxmlformats.org/presentationml/2006/main">
+  <p:cSld>
+    <p:spTree>
+      <p:nvGrpSpPr>
+        <p:cNvPr id="1" name=""/>
+        <p:cNvGrpSpPr/>
+        <p:nvPr/>
+      </p:nvGrpSpPr>
+      <p:grpSpPr>
+        <a:xfrm>
+          <a:off x="0" y="0"/>
+          <a:ext cx="0" cy="0"/>
+          <a:chOff x="0" y="0"/>
+          <a:chExt cx="0" cy="0"/>
+        </a:xfrm>
+      </p:grpSpPr>
+      <p:sp>
+        <p:nvSpPr>
+          <p:cNvPr id="2" name="Título 1"/>
+          <p:cNvSpPr>
+            <a:spLocks noGrp="1"/>
+          </p:cNvSpPr>
+          <p:nvPr>
+            <p:ph type="title"/>
+          </p:nvPr>
+        </p:nvSpPr>
+        <p:spPr/>
+        <p:txBody>
+          <a:bodyPr/>
+          <a:lstStyle/>
+          <a:p>
+            <a:r>
+              <a:rPr lang="es-GT" dirty="0" smtClean="0"/>
+              <a:t>Método para Crear PDF y Descargar</a:t>
+            </a:r>
+            <a:endParaRPr lang="es-GT" dirty="0"/>
+          </a:p>
+        </p:txBody>
+      </p:sp>
+      <p:pic>
+        <p:nvPicPr>
+          <p:cNvPr id="4" name="Marcador de contenido 3"/>
+          <p:cNvPicPr>
+            <a:picLocks noGrp="1" noChangeAspect="1"/>
+          </p:cNvPicPr>
+          <p:nvPr>
+            <p:ph idx="1"/>
+          </p:nvPr>
+        </p:nvPicPr>
+        <p:blipFill>
+          <a:blip r:embed="rId2">
+            <a:extLst>
+              <a:ext uri="{28A0092B-C50C-407E-A947-70E740481C1C}">
+                <a14:useLocalDpi xmlns:a14="http://schemas.microsoft.com/office/drawing/2010/main" val="0"/>
+              </a:ext>
+            </a:extLst>
+          </a:blip>
+          <a:stretch>
+            <a:fillRect/>
+          </a:stretch>
+        </p:blipFill>
+        <p:spPr>
+          <a:xfrm>
+            <a:off x="393269" y="3309258"/>
+            <a:ext cx="11102540" cy="2244270"/>
+          </a:xfrm>
+        </p:spPr>
+      </p:pic>
+      <p:pic>
+        <p:nvPicPr>
+          <p:cNvPr id="5" name="Imagen 4"/>
+          <p:cNvPicPr>
+            <a:picLocks noChangeAspect="1"/>
+          </p:cNvPicPr>
+          <p:nvPr/>
+        </p:nvPicPr>
+        <p:blipFill>
+          <a:blip r:embed="rId3">
+            <a:extLst>
+              <a:ext uri="{28A0092B-C50C-407E-A947-70E740481C1C}">
+                <a14:useLocalDpi xmlns:a14="http://schemas.microsoft.com/office/drawing/2010/main" val="0"/>
+              </a:ext>
+            </a:extLst>
+          </a:blip>
+          <a:stretch>
+            <a:fillRect/>
+          </a:stretch>
+        </p:blipFill>
+        <p:spPr>
+          <a:xfrm>
+            <a:off x="393269" y="2655562"/>
+            <a:ext cx="11052947" cy="261810"/>
+          </a:xfrm>
+          <a:prstGeom prst="rect">
+            <a:avLst/>
+          </a:prstGeom>
+        </p:spPr>
+      </p:pic>
+    </p:spTree>
+    <p:extLst>
+      <p:ext uri="{BB962C8B-B14F-4D97-AF65-F5344CB8AC3E}">
+        <p14:creationId xmlns:p14="http://schemas.microsoft.com/office/powerpoint/2010/main" val="3076326937"/>
+      </p:ext>
+    </p:extLst>
+  </p:cSld>
+  <p:clrMapOvr>
+    <a:masterClrMapping/>
+  </p:clrMapOvr>
+</p:sld>
+</file>
+
+<file path=ppt/slides/slide21.xml><?xml version="1.0" encoding="utf-8"?>
+<p:sld xmlns:a="http://schemas.openxmlformats.org/drawingml/2006/main" xmlns:r="http://schemas.openxmlformats.org/officeDocument/2006/relationships" xmlns:p="http://schemas.openxmlformats.org/presentationml/2006/main">
+  <p:cSld>
+    <p:spTree>
+      <p:nvGrpSpPr>
+        <p:cNvPr id="1" name=""/>
+        <p:cNvGrpSpPr/>
+        <p:nvPr/>
+      </p:nvGrpSpPr>
+      <p:grpSpPr>
+        <a:xfrm>
+          <a:off x="0" y="0"/>
+          <a:ext cx="0" cy="0"/>
+          <a:chOff x="0" y="0"/>
+          <a:chExt cx="0" cy="0"/>
+        </a:xfrm>
+      </p:grpSpPr>
+      <p:sp>
+        <p:nvSpPr>
+          <p:cNvPr id="2" name="Título 1"/>
+          <p:cNvSpPr>
+            <a:spLocks noGrp="1"/>
+          </p:cNvSpPr>
+          <p:nvPr>
+            <p:ph type="title"/>
+          </p:nvPr>
+        </p:nvSpPr>
+        <p:spPr/>
+        <p:txBody>
+          <a:bodyPr/>
+          <a:lstStyle/>
+          <a:p>
+            <a:r>
+              <a:rPr lang="es-GT" dirty="0"/>
+              <a:t>Reporte Final PDF</a:t>
+            </a:r>
+          </a:p>
+        </p:txBody>
+      </p:sp>
+      <p:pic>
+        <p:nvPicPr>
+          <p:cNvPr id="4" name="Marcador de contenido 3"/>
+          <p:cNvPicPr>
+            <a:picLocks noGrp="1" noChangeAspect="1"/>
+          </p:cNvPicPr>
+          <p:nvPr>
+            <p:ph idx="1"/>
+          </p:nvPr>
+        </p:nvPicPr>
+        <p:blipFill>
+          <a:blip r:embed="rId2">
+            <a:extLst>
+              <a:ext uri="{28A0092B-C50C-407E-A947-70E740481C1C}">
+                <a14:useLocalDpi xmlns:a14="http://schemas.microsoft.com/office/drawing/2010/main" val="0"/>
+              </a:ext>
+            </a:extLst>
+          </a:blip>
+          <a:stretch>
+            <a:fillRect/>
+          </a:stretch>
+        </p:blipFill>
+        <p:spPr>
+          <a:xfrm>
+            <a:off x="104538" y="2418442"/>
+            <a:ext cx="10927238" cy="3786416"/>
+          </a:xfrm>
+        </p:spPr>
+      </p:pic>
+    </p:spTree>
+    <p:extLst>
+      <p:ext uri="{BB962C8B-B14F-4D97-AF65-F5344CB8AC3E}">
+        <p14:creationId xmlns:p14="http://schemas.microsoft.com/office/powerpoint/2010/main" val="1990614725"/>
+      </p:ext>
+    </p:extLst>
+  </p:cSld>
+  <p:clrMapOvr>
+    <a:masterClrMapping/>
+  </p:clrMapOvr>
+</p:sld>
+</file>
+
+<file path=ppt/slides/slide22.xml><?xml version="1.0" encoding="utf-8"?>
+<p:sld xmlns:a="http://schemas.openxmlformats.org/drawingml/2006/main" xmlns:r="http://schemas.openxmlformats.org/officeDocument/2006/relationships" xmlns:p="http://schemas.openxmlformats.org/presentationml/2006/main">
+  <p:cSld>
+    <p:spTree>
+      <p:nvGrpSpPr>
+        <p:cNvPr id="1" name=""/>
+        <p:cNvGrpSpPr/>
+        <p:nvPr/>
+      </p:nvGrpSpPr>
+      <p:grpSpPr>
+        <a:xfrm>
+          <a:off x="0" y="0"/>
+          <a:ext cx="0" cy="0"/>
+          <a:chOff x="0" y="0"/>
+          <a:chExt cx="0" cy="0"/>
+        </a:xfrm>
+      </p:grpSpPr>
+      <p:sp>
+        <p:nvSpPr>
+          <p:cNvPr id="2" name="Título 1"/>
+          <p:cNvSpPr>
+            <a:spLocks noGrp="1"/>
+          </p:cNvSpPr>
+          <p:nvPr>
+            <p:ph type="title"/>
+          </p:nvPr>
+        </p:nvSpPr>
+        <p:spPr/>
+        <p:txBody>
+          <a:bodyPr/>
+          <a:lstStyle/>
+          <a:p>
+            <a:r>
+              <a:rPr lang="es-GT" dirty="0" smtClean="0"/>
+              <a:t>Reporte Final PDF</a:t>
+            </a:r>
+            <a:endParaRPr lang="es-GT" dirty="0"/>
+          </a:p>
+        </p:txBody>
+      </p:sp>
+      <p:pic>
+        <p:nvPicPr>
+          <p:cNvPr id="4" name="Marcador de contenido 3"/>
+          <p:cNvPicPr>
+            <a:picLocks noGrp="1" noChangeAspect="1"/>
+          </p:cNvPicPr>
+          <p:nvPr>
+            <p:ph idx="1"/>
+          </p:nvPr>
+        </p:nvPicPr>
+        <p:blipFill>
+          <a:blip r:embed="rId2">
+            <a:extLst>
+              <a:ext uri="{28A0092B-C50C-407E-A947-70E740481C1C}">
+                <a14:useLocalDpi xmlns:a14="http://schemas.microsoft.com/office/drawing/2010/main" val="0"/>
+              </a:ext>
+            </a:extLst>
+          </a:blip>
+          <a:stretch>
+            <a:fillRect/>
+          </a:stretch>
+        </p:blipFill>
+        <p:spPr>
+          <a:xfrm>
+            <a:off x="218291" y="2440214"/>
+            <a:ext cx="10699732" cy="3742872"/>
+          </a:xfrm>
+        </p:spPr>
+      </p:pic>
+    </p:spTree>
+    <p:extLst>
+      <p:ext uri="{BB962C8B-B14F-4D97-AF65-F5344CB8AC3E}">
+        <p14:creationId xmlns:p14="http://schemas.microsoft.com/office/powerpoint/2010/main" val="2712337175"/>
       </p:ext>
     </p:extLst>
   </p:cSld>
@@ -13715,14 +15140,23 @@
             <p:ph type="title"/>
           </p:nvPr>
         </p:nvSpPr>
-        <p:spPr/>
+        <p:spPr>
+          <a:xfrm>
+            <a:off x="620926" y="973668"/>
+            <a:ext cx="9371642" cy="706964"/>
+          </a:xfrm>
+        </p:spPr>
         <p:txBody>
           <a:bodyPr/>
           <a:lstStyle/>
           <a:p>
             <a:r>
+              <a:rPr lang="es-GT" dirty="0"/>
+              <a:t>Crear Procedimiento </a:t>
+            </a:r>
+            <a:r>
               <a:rPr lang="es-GT" dirty="0" smtClean="0"/>
-              <a:t>Crear Procedimiento Almacenado</a:t>
+              <a:t>Almacenado en BD</a:t>
             </a:r>
             <a:endParaRPr lang="es-GT" dirty="0"/>
           </a:p>
@@ -13752,15 +15186,500 @@
         </p:blipFill>
         <p:spPr>
           <a:xfrm>
-            <a:off x="822424" y="2745013"/>
+            <a:off x="620925" y="3419927"/>
             <a:ext cx="10536492" cy="3285674"/>
+          </a:xfrm>
+        </p:spPr>
+      </p:pic>
+      <p:sp>
+        <p:nvSpPr>
+          <p:cNvPr id="5" name="Rectángulo 4"/>
+          <p:cNvSpPr/>
+          <p:nvPr/>
+        </p:nvSpPr>
+        <p:spPr>
+          <a:xfrm>
+            <a:off x="132416" y="2270649"/>
+            <a:ext cx="11840101" cy="923330"/>
+          </a:xfrm>
+          <a:prstGeom prst="rect">
+            <a:avLst/>
+          </a:prstGeom>
+          <a:noFill/>
+        </p:spPr>
+        <p:txBody>
+          <a:bodyPr wrap="none" lIns="91440" tIns="45720" rIns="91440" bIns="45720">
+            <a:spAutoFit/>
+          </a:bodyPr>
+          <a:lstStyle/>
+          <a:p>
+            <a:pPr algn="ctr"/>
+            <a:r>
+              <a:rPr lang="es-ES" sz="5400" b="1" cap="none" spc="0" dirty="0" smtClean="0">
+                <a:ln w="12700">
+                  <a:solidFill>
+                    <a:schemeClr val="accent5"/>
+                  </a:solidFill>
+                  <a:prstDash val="solid"/>
+                </a:ln>
+                <a:pattFill prst="ltDnDiag">
+                  <a:fgClr>
+                    <a:schemeClr val="accent5">
+                      <a:lumMod val="60000"/>
+                      <a:lumOff val="40000"/>
+                    </a:schemeClr>
+                  </a:fgClr>
+                  <a:bgClr>
+                    <a:schemeClr val="bg1"/>
+                  </a:bgClr>
+                </a:pattFill>
+                <a:effectLst/>
+              </a:rPr>
+              <a:t>Reporte de Paquetes po</a:t>
+            </a:r>
+            <a:r>
+              <a:rPr lang="es-ES" sz="5400" b="1" dirty="0" smtClean="0">
+                <a:ln w="12700">
+                  <a:solidFill>
+                    <a:schemeClr val="accent5"/>
+                  </a:solidFill>
+                  <a:prstDash val="solid"/>
+                </a:ln>
+                <a:pattFill prst="ltDnDiag">
+                  <a:fgClr>
+                    <a:schemeClr val="accent5">
+                      <a:lumMod val="60000"/>
+                      <a:lumOff val="40000"/>
+                    </a:schemeClr>
+                  </a:fgClr>
+                  <a:bgClr>
+                    <a:schemeClr val="bg1"/>
+                  </a:bgClr>
+                </a:pattFill>
+              </a:rPr>
+              <a:t>r Impuesto</a:t>
+            </a:r>
+            <a:endParaRPr lang="es-ES" sz="5400" b="1" cap="none" spc="0" dirty="0">
+              <a:ln w="12700">
+                <a:solidFill>
+                  <a:schemeClr val="accent5"/>
+                </a:solidFill>
+                <a:prstDash val="solid"/>
+              </a:ln>
+              <a:pattFill prst="ltDnDiag">
+                <a:fgClr>
+                  <a:schemeClr val="accent5">
+                    <a:lumMod val="60000"/>
+                    <a:lumOff val="40000"/>
+                  </a:schemeClr>
+                </a:fgClr>
+                <a:bgClr>
+                  <a:schemeClr val="bg1"/>
+                </a:bgClr>
+              </a:pattFill>
+              <a:effectLst/>
+            </a:endParaRPr>
+          </a:p>
+        </p:txBody>
+      </p:sp>
+    </p:spTree>
+    <p:extLst>
+      <p:ext uri="{BB962C8B-B14F-4D97-AF65-F5344CB8AC3E}">
+        <p14:creationId xmlns:p14="http://schemas.microsoft.com/office/powerpoint/2010/main" val="812905607"/>
+      </p:ext>
+    </p:extLst>
+  </p:cSld>
+  <p:clrMapOvr>
+    <a:masterClrMapping/>
+  </p:clrMapOvr>
+</p:sld>
+</file>
+
+<file path=ppt/slides/slide7.xml><?xml version="1.0" encoding="utf-8"?>
+<p:sld xmlns:a="http://schemas.openxmlformats.org/drawingml/2006/main" xmlns:r="http://schemas.openxmlformats.org/officeDocument/2006/relationships" xmlns:p="http://schemas.openxmlformats.org/presentationml/2006/main">
+  <p:cSld>
+    <p:spTree>
+      <p:nvGrpSpPr>
+        <p:cNvPr id="1" name=""/>
+        <p:cNvGrpSpPr/>
+        <p:nvPr/>
+      </p:nvGrpSpPr>
+      <p:grpSpPr>
+        <a:xfrm>
+          <a:off x="0" y="0"/>
+          <a:ext cx="0" cy="0"/>
+          <a:chOff x="0" y="0"/>
+          <a:chExt cx="0" cy="0"/>
+        </a:xfrm>
+      </p:grpSpPr>
+      <p:pic>
+        <p:nvPicPr>
+          <p:cNvPr id="4" name="Marcador de contenido 3"/>
+          <p:cNvPicPr>
+            <a:picLocks noGrp="1" noChangeAspect="1"/>
+          </p:cNvPicPr>
+          <p:nvPr>
+            <p:ph idx="1"/>
+          </p:nvPr>
+        </p:nvPicPr>
+        <p:blipFill>
+          <a:blip r:embed="rId2">
+            <a:extLst>
+              <a:ext uri="{28A0092B-C50C-407E-A947-70E740481C1C}">
+                <a14:useLocalDpi xmlns:a14="http://schemas.microsoft.com/office/drawing/2010/main" val="0"/>
+              </a:ext>
+            </a:extLst>
+          </a:blip>
+          <a:stretch>
+            <a:fillRect/>
+          </a:stretch>
+        </p:blipFill>
+        <p:spPr>
+          <a:xfrm>
+            <a:off x="914979" y="3604984"/>
+            <a:ext cx="10274968" cy="2741388"/>
+          </a:xfrm>
+        </p:spPr>
+      </p:pic>
+      <p:sp>
+        <p:nvSpPr>
+          <p:cNvPr id="5" name="Rectángulo 4"/>
+          <p:cNvSpPr/>
+          <p:nvPr/>
+        </p:nvSpPr>
+        <p:spPr>
+          <a:xfrm>
+            <a:off x="-12656" y="2270649"/>
+            <a:ext cx="12130245" cy="923330"/>
+          </a:xfrm>
+          <a:prstGeom prst="rect">
+            <a:avLst/>
+          </a:prstGeom>
+          <a:noFill/>
+        </p:spPr>
+        <p:txBody>
+          <a:bodyPr wrap="none" lIns="91440" tIns="45720" rIns="91440" bIns="45720">
+            <a:spAutoFit/>
+          </a:bodyPr>
+          <a:lstStyle/>
+          <a:p>
+            <a:pPr algn="ctr"/>
+            <a:r>
+              <a:rPr lang="es-ES" sz="5400" b="1" cap="none" spc="0" dirty="0" smtClean="0">
+                <a:ln w="12700">
+                  <a:solidFill>
+                    <a:schemeClr val="accent5"/>
+                  </a:solidFill>
+                  <a:prstDash val="solid"/>
+                </a:ln>
+                <a:pattFill prst="ltDnDiag">
+                  <a:fgClr>
+                    <a:schemeClr val="accent5">
+                      <a:lumMod val="60000"/>
+                      <a:lumOff val="40000"/>
+                    </a:schemeClr>
+                  </a:fgClr>
+                  <a:bgClr>
+                    <a:schemeClr val="bg1"/>
+                  </a:bgClr>
+                </a:pattFill>
+                <a:effectLst/>
+              </a:rPr>
+              <a:t>Reporte de Empleados por Sucursal</a:t>
+            </a:r>
+            <a:endParaRPr lang="es-ES" sz="5400" b="1" cap="none" spc="0" dirty="0">
+              <a:ln w="12700">
+                <a:solidFill>
+                  <a:schemeClr val="accent5"/>
+                </a:solidFill>
+                <a:prstDash val="solid"/>
+              </a:ln>
+              <a:pattFill prst="ltDnDiag">
+                <a:fgClr>
+                  <a:schemeClr val="accent5">
+                    <a:lumMod val="60000"/>
+                    <a:lumOff val="40000"/>
+                  </a:schemeClr>
+                </a:fgClr>
+                <a:bgClr>
+                  <a:schemeClr val="bg1"/>
+                </a:bgClr>
+              </a:pattFill>
+              <a:effectLst/>
+            </a:endParaRPr>
+          </a:p>
+        </p:txBody>
+      </p:sp>
+      <p:sp>
+        <p:nvSpPr>
+          <p:cNvPr id="7" name="Título 1"/>
+          <p:cNvSpPr txBox="1">
+            <a:spLocks/>
+          </p:cNvSpPr>
+          <p:nvPr/>
+        </p:nvSpPr>
+        <p:spPr bwMode="gray">
+          <a:xfrm>
+            <a:off x="620926" y="973668"/>
+            <a:ext cx="9371642" cy="706964"/>
+          </a:xfrm>
+          <a:prstGeom prst="rect">
+            <a:avLst/>
+          </a:prstGeom>
+        </p:spPr>
+        <p:txBody>
+          <a:bodyPr vert="horz" lIns="91440" tIns="45720" rIns="91440" bIns="45720" rtlCol="0" anchor="ctr">
+            <a:noAutofit/>
+          </a:bodyPr>
+          <a:lstStyle>
+            <a:lvl1pPr algn="l" defTabSz="457200" rtl="0" eaLnBrk="1" latinLnBrk="0" hangingPunct="1">
+              <a:spcBef>
+                <a:spcPct val="0"/>
+              </a:spcBef>
+              <a:buNone/>
+              <a:defRPr sz="3600" b="0" i="0" kern="1200">
+                <a:solidFill>
+                  <a:schemeClr val="bg2"/>
+                </a:solidFill>
+                <a:latin typeface="+mj-lt"/>
+                <a:ea typeface="+mj-ea"/>
+                <a:cs typeface="+mj-cs"/>
+              </a:defRPr>
+            </a:lvl1pPr>
+            <a:lvl2pPr eaLnBrk="1" hangingPunct="1">
+              <a:defRPr>
+                <a:solidFill>
+                  <a:schemeClr val="tx2"/>
+                </a:solidFill>
+              </a:defRPr>
+            </a:lvl2pPr>
+            <a:lvl3pPr eaLnBrk="1" hangingPunct="1">
+              <a:defRPr>
+                <a:solidFill>
+                  <a:schemeClr val="tx2"/>
+                </a:solidFill>
+              </a:defRPr>
+            </a:lvl3pPr>
+            <a:lvl4pPr eaLnBrk="1" hangingPunct="1">
+              <a:defRPr>
+                <a:solidFill>
+                  <a:schemeClr val="tx2"/>
+                </a:solidFill>
+              </a:defRPr>
+            </a:lvl4pPr>
+            <a:lvl5pPr eaLnBrk="1" hangingPunct="1">
+              <a:defRPr>
+                <a:solidFill>
+                  <a:schemeClr val="tx2"/>
+                </a:solidFill>
+              </a:defRPr>
+            </a:lvl5pPr>
+            <a:lvl6pPr eaLnBrk="1" hangingPunct="1">
+              <a:defRPr>
+                <a:solidFill>
+                  <a:schemeClr val="tx2"/>
+                </a:solidFill>
+              </a:defRPr>
+            </a:lvl6pPr>
+            <a:lvl7pPr eaLnBrk="1" hangingPunct="1">
+              <a:defRPr>
+                <a:solidFill>
+                  <a:schemeClr val="tx2"/>
+                </a:solidFill>
+              </a:defRPr>
+            </a:lvl7pPr>
+            <a:lvl8pPr eaLnBrk="1" hangingPunct="1">
+              <a:defRPr>
+                <a:solidFill>
+                  <a:schemeClr val="tx2"/>
+                </a:solidFill>
+              </a:defRPr>
+            </a:lvl8pPr>
+            <a:lvl9pPr eaLnBrk="1" hangingPunct="1">
+              <a:defRPr>
+                <a:solidFill>
+                  <a:schemeClr val="tx2"/>
+                </a:solidFill>
+              </a:defRPr>
+            </a:lvl9pPr>
+          </a:lstStyle>
+          <a:p>
+            <a:r>
+              <a:rPr lang="es-GT" smtClean="0"/>
+              <a:t>Crear Procedimiento Almacenado en BD</a:t>
+            </a:r>
+            <a:endParaRPr lang="es-GT" dirty="0"/>
+          </a:p>
+        </p:txBody>
+      </p:sp>
+    </p:spTree>
+    <p:extLst>
+      <p:ext uri="{BB962C8B-B14F-4D97-AF65-F5344CB8AC3E}">
+        <p14:creationId xmlns:p14="http://schemas.microsoft.com/office/powerpoint/2010/main" val="2157062139"/>
+      </p:ext>
+    </p:extLst>
+  </p:cSld>
+  <p:clrMapOvr>
+    <a:masterClrMapping/>
+  </p:clrMapOvr>
+</p:sld>
+</file>
+
+<file path=ppt/slides/slide8.xml><?xml version="1.0" encoding="utf-8"?>
+<p:sld xmlns:a="http://schemas.openxmlformats.org/drawingml/2006/main" xmlns:r="http://schemas.openxmlformats.org/officeDocument/2006/relationships" xmlns:p="http://schemas.openxmlformats.org/presentationml/2006/main">
+  <p:cSld>
+    <p:spTree>
+      <p:nvGrpSpPr>
+        <p:cNvPr id="1" name=""/>
+        <p:cNvGrpSpPr/>
+        <p:nvPr/>
+      </p:nvGrpSpPr>
+      <p:grpSpPr>
+        <a:xfrm>
+          <a:off x="0" y="0"/>
+          <a:ext cx="0" cy="0"/>
+          <a:chOff x="0" y="0"/>
+          <a:chExt cx="0" cy="0"/>
+        </a:xfrm>
+      </p:grpSpPr>
+      <p:sp>
+        <p:nvSpPr>
+          <p:cNvPr id="2" name="Título 1"/>
+          <p:cNvSpPr>
+            <a:spLocks noGrp="1"/>
+          </p:cNvSpPr>
+          <p:nvPr>
+            <p:ph type="title"/>
+          </p:nvPr>
+        </p:nvSpPr>
+        <p:spPr/>
+        <p:txBody>
+          <a:bodyPr/>
+          <a:lstStyle/>
+          <a:p>
+            <a:r>
+              <a:rPr lang="es-GT" dirty="0" smtClean="0"/>
+              <a:t>Abrir el Asistente de BD </a:t>
+            </a:r>
+            <a:endParaRPr lang="es-GT" dirty="0"/>
+          </a:p>
+        </p:txBody>
+      </p:sp>
+      <p:pic>
+        <p:nvPicPr>
+          <p:cNvPr id="6" name="Marcador de contenido 5"/>
+          <p:cNvPicPr>
+            <a:picLocks noGrp="1" noChangeAspect="1"/>
+          </p:cNvPicPr>
+          <p:nvPr>
+            <p:ph idx="1"/>
+          </p:nvPr>
+        </p:nvPicPr>
+        <p:blipFill>
+          <a:blip r:embed="rId2">
+            <a:extLst>
+              <a:ext uri="{28A0092B-C50C-407E-A947-70E740481C1C}">
+                <a14:useLocalDpi xmlns:a14="http://schemas.microsoft.com/office/drawing/2010/main" val="0"/>
+              </a:ext>
+            </a:extLst>
+          </a:blip>
+          <a:stretch>
+            <a:fillRect/>
+          </a:stretch>
+        </p:blipFill>
+        <p:spPr>
+          <a:xfrm>
+            <a:off x="3736738" y="2603500"/>
+            <a:ext cx="3662837" cy="3416300"/>
           </a:xfrm>
         </p:spPr>
       </p:pic>
     </p:spTree>
     <p:extLst>
       <p:ext uri="{BB962C8B-B14F-4D97-AF65-F5344CB8AC3E}">
-        <p14:creationId xmlns:p14="http://schemas.microsoft.com/office/powerpoint/2010/main" val="812905607"/>
+        <p14:creationId xmlns:p14="http://schemas.microsoft.com/office/powerpoint/2010/main" val="1207368162"/>
+      </p:ext>
+    </p:extLst>
+  </p:cSld>
+  <p:clrMapOvr>
+    <a:masterClrMapping/>
+  </p:clrMapOvr>
+</p:sld>
+</file>
+
+<file path=ppt/slides/slide9.xml><?xml version="1.0" encoding="utf-8"?>
+<p:sld xmlns:a="http://schemas.openxmlformats.org/drawingml/2006/main" xmlns:r="http://schemas.openxmlformats.org/officeDocument/2006/relationships" xmlns:p="http://schemas.openxmlformats.org/presentationml/2006/main">
+  <p:cSld>
+    <p:spTree>
+      <p:nvGrpSpPr>
+        <p:cNvPr id="1" name=""/>
+        <p:cNvGrpSpPr/>
+        <p:nvPr/>
+      </p:nvGrpSpPr>
+      <p:grpSpPr>
+        <a:xfrm>
+          <a:off x="0" y="0"/>
+          <a:ext cx="0" cy="0"/>
+          <a:chOff x="0" y="0"/>
+          <a:chExt cx="0" cy="0"/>
+        </a:xfrm>
+      </p:grpSpPr>
+      <p:sp>
+        <p:nvSpPr>
+          <p:cNvPr id="2" name="Título 1"/>
+          <p:cNvSpPr>
+            <a:spLocks noGrp="1"/>
+          </p:cNvSpPr>
+          <p:nvPr>
+            <p:ph type="title"/>
+          </p:nvPr>
+        </p:nvSpPr>
+        <p:spPr/>
+        <p:txBody>
+          <a:bodyPr/>
+          <a:lstStyle/>
+          <a:p>
+            <a:r>
+              <a:rPr lang="es-GT" dirty="0" smtClean="0"/>
+              <a:t>Establecer Nueva Conexión</a:t>
+            </a:r>
+            <a:endParaRPr lang="es-GT" dirty="0"/>
+          </a:p>
+        </p:txBody>
+      </p:sp>
+      <p:pic>
+        <p:nvPicPr>
+          <p:cNvPr id="6" name="Marcador de contenido 5"/>
+          <p:cNvPicPr>
+            <a:picLocks noGrp="1" noChangeAspect="1"/>
+          </p:cNvPicPr>
+          <p:nvPr>
+            <p:ph idx="1"/>
+          </p:nvPr>
+        </p:nvPicPr>
+        <p:blipFill>
+          <a:blip r:embed="rId2">
+            <a:extLst>
+              <a:ext uri="{28A0092B-C50C-407E-A947-70E740481C1C}">
+                <a14:useLocalDpi xmlns:a14="http://schemas.microsoft.com/office/drawing/2010/main" val="0"/>
+              </a:ext>
+            </a:extLst>
+          </a:blip>
+          <a:stretch>
+            <a:fillRect/>
+          </a:stretch>
+        </p:blipFill>
+        <p:spPr>
+          <a:xfrm>
+            <a:off x="2155598" y="2720049"/>
+            <a:ext cx="6825116" cy="3183202"/>
+          </a:xfrm>
+        </p:spPr>
+      </p:pic>
+    </p:spTree>
+    <p:extLst>
+      <p:ext uri="{BB962C8B-B14F-4D97-AF65-F5344CB8AC3E}">
+        <p14:creationId xmlns:p14="http://schemas.microsoft.com/office/powerpoint/2010/main" val="1854791538"/>
       </p:ext>
     </p:extLst>
   </p:cSld>
